--- a/Whiteboard design session/Modern Cloud Apps Preferred Solution.pptx
+++ b/Whiteboard design session/Modern Cloud Apps Preferred Solution.pptx
@@ -238,7 +238,7 @@
               <a:rPr lang="en-US" smtClean="0">
                 <a:latin typeface="Segoe UI"/>
               </a:rPr>
-              <a:t>6/19/2018</a:t>
+              <a:t>9/21/2018</a:t>
             </a:fld>
             <a:endParaRPr lang="en-US">
               <a:latin typeface="Segoe UI"/>
@@ -738,7 +738,7 @@
           <a:graphicData uri="http://schemas.openxmlformats.org/presentationml/2006/ole">
             <mc:AlternateContent xmlns:mc="http://schemas.openxmlformats.org/markup-compatibility/2006">
               <mc:Choice xmlns:v="urn:schemas-microsoft-com:vml" Requires="v">
-                <p:oleObj spid="_x0000_s11088" name="think-cell Slide" r:id="rId8" imgW="270" imgH="270" progId="TCLayout.ActiveDocument.1">
+                <p:oleObj spid="_x0000_s11089" name="think-cell Slide" r:id="rId8" imgW="270" imgH="270" progId="TCLayout.ActiveDocument.1">
                   <p:embed/>
                 </p:oleObj>
               </mc:Choice>
@@ -1094,7 +1094,7 @@
           <a:graphicData uri="http://schemas.openxmlformats.org/presentationml/2006/ole">
             <mc:AlternateContent xmlns:mc="http://schemas.openxmlformats.org/markup-compatibility/2006">
               <mc:Choice xmlns:v="urn:schemas-microsoft-com:vml" Requires="v">
-                <p:oleObj spid="_x0000_s20304" name="think-cell Slide" r:id="rId11" imgW="270" imgH="270" progId="TCLayout.ActiveDocument.1">
+                <p:oleObj spid="_x0000_s20305" name="think-cell Slide" r:id="rId11" imgW="270" imgH="270" progId="TCLayout.ActiveDocument.1">
                   <p:embed/>
                 </p:oleObj>
               </mc:Choice>
@@ -1594,7 +1594,7 @@
           <a:graphicData uri="http://schemas.openxmlformats.org/presentationml/2006/ole">
             <mc:AlternateContent xmlns:mc="http://schemas.openxmlformats.org/markup-compatibility/2006">
               <mc:Choice xmlns:v="urn:schemas-microsoft-com:vml" Requires="v">
-                <p:oleObj spid="_x0000_s21328" name="think-cell Slide" r:id="rId11" imgW="270" imgH="270" progId="TCLayout.ActiveDocument.1">
+                <p:oleObj spid="_x0000_s21329" name="think-cell Slide" r:id="rId11" imgW="270" imgH="270" progId="TCLayout.ActiveDocument.1">
                   <p:embed/>
                 </p:oleObj>
               </mc:Choice>
@@ -2138,7 +2138,7 @@
           <a:graphicData uri="http://schemas.openxmlformats.org/presentationml/2006/ole">
             <mc:AlternateContent xmlns:mc="http://schemas.openxmlformats.org/markup-compatibility/2006">
               <mc:Choice xmlns:v="urn:schemas-microsoft-com:vml" Requires="v">
-                <p:oleObj spid="_x0000_s22352" name="think-cell Slide" r:id="rId9" imgW="270" imgH="270" progId="TCLayout.ActiveDocument.1">
+                <p:oleObj spid="_x0000_s22353" name="think-cell Slide" r:id="rId9" imgW="270" imgH="270" progId="TCLayout.ActiveDocument.1">
                   <p:embed/>
                 </p:oleObj>
               </mc:Choice>
@@ -2520,7 +2520,7 @@
           <a:graphicData uri="http://schemas.openxmlformats.org/presentationml/2006/ole">
             <mc:AlternateContent xmlns:mc="http://schemas.openxmlformats.org/markup-compatibility/2006">
               <mc:Choice xmlns:v="urn:schemas-microsoft-com:vml" Requires="v">
-                <p:oleObj spid="_x0000_s23376" name="think-cell Slide" r:id="rId12" imgW="270" imgH="270" progId="TCLayout.ActiveDocument.1">
+                <p:oleObj spid="_x0000_s23377" name="think-cell Slide" r:id="rId12" imgW="270" imgH="270" progId="TCLayout.ActiveDocument.1">
                   <p:embed/>
                 </p:oleObj>
               </mc:Choice>
@@ -3016,7 +3016,7 @@
           <a:graphicData uri="http://schemas.openxmlformats.org/presentationml/2006/ole">
             <mc:AlternateContent xmlns:mc="http://schemas.openxmlformats.org/markup-compatibility/2006">
               <mc:Choice xmlns:v="urn:schemas-microsoft-com:vml" Requires="v">
-                <p:oleObj spid="_x0000_s24400" name="think-cell Slide" r:id="rId12" imgW="270" imgH="270" progId="TCLayout.ActiveDocument.1">
+                <p:oleObj spid="_x0000_s24401" name="think-cell Slide" r:id="rId12" imgW="270" imgH="270" progId="TCLayout.ActiveDocument.1">
                   <p:embed/>
                 </p:oleObj>
               </mc:Choice>
@@ -3520,7 +3520,7 @@
           <a:graphicData uri="http://schemas.openxmlformats.org/presentationml/2006/ole">
             <mc:AlternateContent xmlns:mc="http://schemas.openxmlformats.org/markup-compatibility/2006">
               <mc:Choice xmlns:v="urn:schemas-microsoft-com:vml" Requires="v">
-                <p:oleObj spid="_x0000_s25424" name="think-cell Slide" r:id="rId7" imgW="270" imgH="270" progId="TCLayout.ActiveDocument.1">
+                <p:oleObj spid="_x0000_s25425" name="think-cell Slide" r:id="rId7" imgW="270" imgH="270" progId="TCLayout.ActiveDocument.1">
                   <p:embed/>
                 </p:oleObj>
               </mc:Choice>
@@ -3814,7 +3814,7 @@
           <a:graphicData uri="http://schemas.openxmlformats.org/presentationml/2006/ole">
             <mc:AlternateContent xmlns:mc="http://schemas.openxmlformats.org/markup-compatibility/2006">
               <mc:Choice xmlns:v="urn:schemas-microsoft-com:vml" Requires="v">
-                <p:oleObj spid="_x0000_s26448" name="think-cell Slide" r:id="rId9" imgW="270" imgH="270" progId="TCLayout.ActiveDocument.1">
+                <p:oleObj spid="_x0000_s26449" name="think-cell Slide" r:id="rId9" imgW="270" imgH="270" progId="TCLayout.ActiveDocument.1">
                   <p:embed/>
                 </p:oleObj>
               </mc:Choice>
@@ -4179,7 +4179,7 @@
           <a:graphicData uri="http://schemas.openxmlformats.org/presentationml/2006/ole">
             <mc:AlternateContent xmlns:mc="http://schemas.openxmlformats.org/markup-compatibility/2006">
               <mc:Choice xmlns:v="urn:schemas-microsoft-com:vml" Requires="v">
-                <p:oleObj spid="_x0000_s27472" name="think-cell Slide" r:id="rId9" imgW="270" imgH="270" progId="TCLayout.ActiveDocument.1">
+                <p:oleObj spid="_x0000_s27473" name="think-cell Slide" r:id="rId9" imgW="270" imgH="270" progId="TCLayout.ActiveDocument.1">
                   <p:embed/>
                 </p:oleObj>
               </mc:Choice>
@@ -4544,7 +4544,7 @@
           <a:graphicData uri="http://schemas.openxmlformats.org/presentationml/2006/ole">
             <mc:AlternateContent xmlns:mc="http://schemas.openxmlformats.org/markup-compatibility/2006">
               <mc:Choice xmlns:v="urn:schemas-microsoft-com:vml" Requires="v">
-                <p:oleObj spid="_x0000_s28496" name="think-cell Slide" r:id="rId9" imgW="270" imgH="270" progId="TCLayout.ActiveDocument.1">
+                <p:oleObj spid="_x0000_s28497" name="think-cell Slide" r:id="rId9" imgW="270" imgH="270" progId="TCLayout.ActiveDocument.1">
                   <p:embed/>
                 </p:oleObj>
               </mc:Choice>
@@ -4909,7 +4909,7 @@
           <a:graphicData uri="http://schemas.openxmlformats.org/presentationml/2006/ole">
             <mc:AlternateContent xmlns:mc="http://schemas.openxmlformats.org/markup-compatibility/2006">
               <mc:Choice xmlns:v="urn:schemas-microsoft-com:vml" Requires="v">
-                <p:oleObj spid="_x0000_s29520" name="think-cell Slide" r:id="rId8" imgW="270" imgH="270" progId="TCLayout.ActiveDocument.1">
+                <p:oleObj spid="_x0000_s29521" name="think-cell Slide" r:id="rId8" imgW="270" imgH="270" progId="TCLayout.ActiveDocument.1">
                   <p:embed/>
                 </p:oleObj>
               </mc:Choice>
@@ -5175,7 +5175,7 @@
           <a:graphicData uri="http://schemas.openxmlformats.org/presentationml/2006/ole">
             <mc:AlternateContent xmlns:mc="http://schemas.openxmlformats.org/markup-compatibility/2006">
               <mc:Choice xmlns:v="urn:schemas-microsoft-com:vml" Requires="v">
-                <p:oleObj spid="_x0000_s12112" name="think-cell Slide" r:id="rId9" imgW="270" imgH="270" progId="TCLayout.ActiveDocument.1">
+                <p:oleObj spid="_x0000_s12113" name="think-cell Slide" r:id="rId9" imgW="270" imgH="270" progId="TCLayout.ActiveDocument.1">
                   <p:embed/>
                 </p:oleObj>
               </mc:Choice>
@@ -5565,7 +5565,7 @@
           <a:graphicData uri="http://schemas.openxmlformats.org/presentationml/2006/ole">
             <mc:AlternateContent xmlns:mc="http://schemas.openxmlformats.org/markup-compatibility/2006">
               <mc:Choice xmlns:v="urn:schemas-microsoft-com:vml" Requires="v">
-                <p:oleObj spid="_x0000_s30544" name="think-cell Slide" r:id="rId10" imgW="270" imgH="270" progId="TCLayout.ActiveDocument.1">
+                <p:oleObj spid="_x0000_s30545" name="think-cell Slide" r:id="rId10" imgW="270" imgH="270" progId="TCLayout.ActiveDocument.1">
                   <p:embed/>
                 </p:oleObj>
               </mc:Choice>
@@ -5919,7 +5919,7 @@
           <a:graphicData uri="http://schemas.openxmlformats.org/presentationml/2006/ole">
             <mc:AlternateContent xmlns:mc="http://schemas.openxmlformats.org/markup-compatibility/2006">
               <mc:Choice xmlns:v="urn:schemas-microsoft-com:vml" Requires="v">
-                <p:oleObj spid="_x0000_s31568" name="think-cell Slide" r:id="rId10" imgW="270" imgH="270" progId="TCLayout.ActiveDocument.1">
+                <p:oleObj spid="_x0000_s31569" name="think-cell Slide" r:id="rId10" imgW="270" imgH="270" progId="TCLayout.ActiveDocument.1">
                   <p:embed/>
                 </p:oleObj>
               </mc:Choice>
@@ -6354,7 +6354,7 @@
           <a:graphicData uri="http://schemas.openxmlformats.org/presentationml/2006/ole">
             <mc:AlternateContent xmlns:mc="http://schemas.openxmlformats.org/markup-compatibility/2006">
               <mc:Choice xmlns:v="urn:schemas-microsoft-com:vml" Requires="v">
-                <p:oleObj spid="_x0000_s48948" name="think-cell Slide" r:id="rId9" imgW="270" imgH="270" progId="TCLayout.ActiveDocument.1">
+                <p:oleObj spid="_x0000_s48949" name="think-cell Slide" r:id="rId9" imgW="270" imgH="270" progId="TCLayout.ActiveDocument.1">
                   <p:embed/>
                 </p:oleObj>
               </mc:Choice>
@@ -6740,7 +6740,7 @@
           <a:graphicData uri="http://schemas.openxmlformats.org/presentationml/2006/ole">
             <mc:AlternateContent xmlns:mc="http://schemas.openxmlformats.org/markup-compatibility/2006">
               <mc:Choice xmlns:v="urn:schemas-microsoft-com:vml" Requires="v">
-                <p:oleObj spid="_x0000_s55092" name="think-cell Slide" r:id="rId11" imgW="270" imgH="270" progId="TCLayout.ActiveDocument.1">
+                <p:oleObj spid="_x0000_s55093" name="think-cell Slide" r:id="rId11" imgW="270" imgH="270" progId="TCLayout.ActiveDocument.1">
                   <p:embed/>
                 </p:oleObj>
               </mc:Choice>
@@ -7229,7 +7229,7 @@
           <a:graphicData uri="http://schemas.openxmlformats.org/presentationml/2006/ole">
             <mc:AlternateContent xmlns:mc="http://schemas.openxmlformats.org/markup-compatibility/2006">
               <mc:Choice xmlns:v="urn:schemas-microsoft-com:vml" Requires="v">
-                <p:oleObj spid="_x0000_s56116" name="think-cell Slide" r:id="rId10" imgW="270" imgH="270" progId="TCLayout.ActiveDocument.1">
+                <p:oleObj spid="_x0000_s56117" name="think-cell Slide" r:id="rId10" imgW="270" imgH="270" progId="TCLayout.ActiveDocument.1">
                   <p:embed/>
                 </p:oleObj>
               </mc:Choice>
@@ -7667,7 +7667,7 @@
           <a:graphicData uri="http://schemas.openxmlformats.org/presentationml/2006/ole">
             <mc:AlternateContent xmlns:mc="http://schemas.openxmlformats.org/markup-compatibility/2006">
               <mc:Choice xmlns:v="urn:schemas-microsoft-com:vml" Requires="v">
-                <p:oleObj spid="_x0000_s59188" name="think-cell Slide" r:id="rId11" imgW="270" imgH="270" progId="TCLayout.ActiveDocument.1">
+                <p:oleObj spid="_x0000_s59189" name="think-cell Slide" r:id="rId11" imgW="270" imgH="270" progId="TCLayout.ActiveDocument.1">
                   <p:embed/>
                 </p:oleObj>
               </mc:Choice>
@@ -8207,7 +8207,7 @@
           <a:graphicData uri="http://schemas.openxmlformats.org/presentationml/2006/ole">
             <mc:AlternateContent xmlns:mc="http://schemas.openxmlformats.org/markup-compatibility/2006">
               <mc:Choice xmlns:v="urn:schemas-microsoft-com:vml" Requires="v">
-                <p:oleObj spid="_x0000_s60212" name="think-cell Slide" r:id="rId9" imgW="270" imgH="270" progId="TCLayout.ActiveDocument.1">
+                <p:oleObj spid="_x0000_s60213" name="think-cell Slide" r:id="rId9" imgW="270" imgH="270" progId="TCLayout.ActiveDocument.1">
                   <p:embed/>
                 </p:oleObj>
               </mc:Choice>
@@ -8593,7 +8593,7 @@
           <a:graphicData uri="http://schemas.openxmlformats.org/presentationml/2006/ole">
             <mc:AlternateContent xmlns:mc="http://schemas.openxmlformats.org/markup-compatibility/2006">
               <mc:Choice xmlns:v="urn:schemas-microsoft-com:vml" Requires="v">
-                <p:oleObj spid="_x0000_s63284" name="think-cell Slide" r:id="rId7" imgW="270" imgH="270" progId="TCLayout.ActiveDocument.1">
+                <p:oleObj spid="_x0000_s63285" name="think-cell Slide" r:id="rId7" imgW="270" imgH="270" progId="TCLayout.ActiveDocument.1">
                   <p:embed/>
                 </p:oleObj>
               </mc:Choice>
@@ -8883,7 +8883,7 @@
           <a:graphicData uri="http://schemas.openxmlformats.org/presentationml/2006/ole">
             <mc:AlternateContent xmlns:mc="http://schemas.openxmlformats.org/markup-compatibility/2006">
               <mc:Choice xmlns:v="urn:schemas-microsoft-com:vml" Requires="v">
-                <p:oleObj spid="_x0000_s67380" name="think-cell Slide" r:id="rId8" imgW="270" imgH="270" progId="TCLayout.ActiveDocument.1">
+                <p:oleObj spid="_x0000_s67381" name="think-cell Slide" r:id="rId8" imgW="270" imgH="270" progId="TCLayout.ActiveDocument.1">
                   <p:embed/>
                 </p:oleObj>
               </mc:Choice>
@@ -9149,7 +9149,7 @@
           <a:graphicData uri="http://schemas.openxmlformats.org/presentationml/2006/ole">
             <mc:AlternateContent xmlns:mc="http://schemas.openxmlformats.org/markup-compatibility/2006">
               <mc:Choice xmlns:v="urn:schemas-microsoft-com:vml" Requires="v">
-                <p:oleObj spid="_x0000_s13136" name="think-cell Slide" r:id="rId9" imgW="270" imgH="270" progId="TCLayout.ActiveDocument.1">
+                <p:oleObj spid="_x0000_s13137" name="think-cell Slide" r:id="rId9" imgW="270" imgH="270" progId="TCLayout.ActiveDocument.1">
                   <p:embed/>
                 </p:oleObj>
               </mc:Choice>
@@ -9539,7 +9539,7 @@
           <a:graphicData uri="http://schemas.openxmlformats.org/presentationml/2006/ole">
             <mc:AlternateContent xmlns:mc="http://schemas.openxmlformats.org/markup-compatibility/2006">
               <mc:Choice xmlns:v="urn:schemas-microsoft-com:vml" Requires="v">
-                <p:oleObj spid="_x0000_s14160" name="think-cell Slide" r:id="rId9" imgW="270" imgH="270" progId="TCLayout.ActiveDocument.1">
+                <p:oleObj spid="_x0000_s14161" name="think-cell Slide" r:id="rId9" imgW="270" imgH="270" progId="TCLayout.ActiveDocument.1">
                   <p:embed/>
                 </p:oleObj>
               </mc:Choice>
@@ -9929,7 +9929,7 @@
           <a:graphicData uri="http://schemas.openxmlformats.org/presentationml/2006/ole">
             <mc:AlternateContent xmlns:mc="http://schemas.openxmlformats.org/markup-compatibility/2006">
               <mc:Choice xmlns:v="urn:schemas-microsoft-com:vml" Requires="v">
-                <p:oleObj spid="_x0000_s15184" name="think-cell Slide" r:id="rId9" imgW="270" imgH="270" progId="TCLayout.ActiveDocument.1">
+                <p:oleObj spid="_x0000_s15185" name="think-cell Slide" r:id="rId9" imgW="270" imgH="270" progId="TCLayout.ActiveDocument.1">
                   <p:embed/>
                 </p:oleObj>
               </mc:Choice>
@@ -10319,7 +10319,7 @@
           <a:graphicData uri="http://schemas.openxmlformats.org/presentationml/2006/ole">
             <mc:AlternateContent xmlns:mc="http://schemas.openxmlformats.org/markup-compatibility/2006">
               <mc:Choice xmlns:v="urn:schemas-microsoft-com:vml" Requires="v">
-                <p:oleObj spid="_x0000_s16208" name="think-cell Slide" r:id="rId9" imgW="270" imgH="270" progId="TCLayout.ActiveDocument.1">
+                <p:oleObj spid="_x0000_s16209" name="think-cell Slide" r:id="rId9" imgW="270" imgH="270" progId="TCLayout.ActiveDocument.1">
                   <p:embed/>
                 </p:oleObj>
               </mc:Choice>
@@ -10709,7 +10709,7 @@
           <a:graphicData uri="http://schemas.openxmlformats.org/presentationml/2006/ole">
             <mc:AlternateContent xmlns:mc="http://schemas.openxmlformats.org/markup-compatibility/2006">
               <mc:Choice xmlns:v="urn:schemas-microsoft-com:vml" Requires="v">
-                <p:oleObj spid="_x0000_s17232" name="think-cell Slide" r:id="rId11" imgW="270" imgH="270" progId="TCLayout.ActiveDocument.1">
+                <p:oleObj spid="_x0000_s17233" name="think-cell Slide" r:id="rId11" imgW="270" imgH="270" progId="TCLayout.ActiveDocument.1">
                   <p:embed/>
                 </p:oleObj>
               </mc:Choice>
@@ -11202,7 +11202,7 @@
           <a:graphicData uri="http://schemas.openxmlformats.org/presentationml/2006/ole">
             <mc:AlternateContent xmlns:mc="http://schemas.openxmlformats.org/markup-compatibility/2006">
               <mc:Choice xmlns:v="urn:schemas-microsoft-com:vml" Requires="v">
-                <p:oleObj spid="_x0000_s18256" name="think-cell Slide" r:id="rId10" imgW="270" imgH="270" progId="TCLayout.ActiveDocument.1">
+                <p:oleObj spid="_x0000_s18257" name="think-cell Slide" r:id="rId10" imgW="270" imgH="270" progId="TCLayout.ActiveDocument.1">
                   <p:embed/>
                 </p:oleObj>
               </mc:Choice>
@@ -11644,7 +11644,7 @@
           <a:graphicData uri="http://schemas.openxmlformats.org/presentationml/2006/ole">
             <mc:AlternateContent xmlns:mc="http://schemas.openxmlformats.org/markup-compatibility/2006">
               <mc:Choice xmlns:v="urn:schemas-microsoft-com:vml" Requires="v">
-                <p:oleObj spid="_x0000_s19280" name="think-cell Slide" r:id="rId12" imgW="270" imgH="270" progId="TCLayout.ActiveDocument.1">
+                <p:oleObj spid="_x0000_s19281" name="think-cell Slide" r:id="rId12" imgW="270" imgH="270" progId="TCLayout.ActiveDocument.1">
                   <p:embed/>
                 </p:oleObj>
               </mc:Choice>
@@ -12215,7 +12215,7 @@
           <a:graphicData uri="http://schemas.openxmlformats.org/presentationml/2006/ole">
             <mc:AlternateContent xmlns:mc="http://schemas.openxmlformats.org/markup-compatibility/2006">
               <mc:Choice xmlns:v="urn:schemas-microsoft-com:vml" Requires="v">
-                <p:oleObj spid="_x0000_s10069" name="think-cell Slide" r:id="rId30" imgW="270" imgH="270" progId="TCLayout.ActiveDocument.1">
+                <p:oleObj spid="_x0000_s10070" name="think-cell Slide" r:id="rId30" imgW="270" imgH="270" progId="TCLayout.ActiveDocument.1">
                   <p:embed/>
                 </p:oleObj>
               </mc:Choice>
@@ -12786,7 +12786,7 @@
           <a:graphicData uri="http://schemas.openxmlformats.org/presentationml/2006/ole">
             <mc:AlternateContent xmlns:mc="http://schemas.openxmlformats.org/markup-compatibility/2006">
               <mc:Choice xmlns:v="urn:schemas-microsoft-com:vml" Requires="v">
-                <p:oleObj spid="_x0000_s47924" name="think-cell Slide" r:id="rId15" imgW="270" imgH="270" progId="TCLayout.ActiveDocument.1">
+                <p:oleObj spid="_x0000_s47925" name="think-cell Slide" r:id="rId15" imgW="270" imgH="270" progId="TCLayout.ActiveDocument.1">
                   <p:embed/>
                 </p:oleObj>
               </mc:Choice>
@@ -15242,7 +15242,7 @@
         </p:nvSpPr>
         <p:spPr>
           <a:xfrm>
-            <a:off x="5998152" y="6084906"/>
+            <a:off x="6026139" y="6102779"/>
             <a:ext cx="1192993" cy="429410"/>
           </a:xfrm>
           <a:prstGeom prst="rect">
@@ -15259,7 +15259,7 @@
           <a:lstStyle/>
           <a:p>
             <a:r>
-              <a:rPr lang="en-US" sz="1200">
+              <a:rPr lang="en-US" sz="1200" dirty="0">
                 <a:latin typeface="Calibri"/>
                 <a:ea typeface="Segoe UI" pitchFamily="34" charset="0"/>
                 <a:cs typeface="Calibri"/>
@@ -15269,51 +15269,16 @@
           </a:p>
           <a:p>
             <a:r>
-              <a:rPr lang="en-US" sz="1200">
+              <a:rPr lang="en-US" sz="1200" dirty="0">
                 <a:latin typeface="Calibri"/>
                 <a:ea typeface="Segoe UI" pitchFamily="34" charset="0"/>
                 <a:cs typeface="Calibri"/>
               </a:rPr>
-              <a:t>VSO Load Test</a:t>
+              <a:t>Azure DevOps</a:t>
             </a:r>
-            <a:endParaRPr lang="en-US" sz="1200" err="1">
-              <a:latin typeface="Calibri"/>
-              <a:ea typeface="Segoe UI" pitchFamily="34" charset="0"/>
-              <a:cs typeface="Calibri"/>
-            </a:endParaRPr>
           </a:p>
         </p:txBody>
       </p:sp>
-      <p:pic>
-        <p:nvPicPr>
-          <p:cNvPr id="171" name="Picture 170"/>
-          <p:cNvPicPr>
-            <a:picLocks noChangeAspect="1"/>
-          </p:cNvPicPr>
-          <p:nvPr/>
-        </p:nvPicPr>
-        <p:blipFill>
-          <a:blip r:embed="rId17" cstate="print">
-            <a:extLst>
-              <a:ext uri="{28A0092B-C50C-407E-A947-70E740481C1C}">
-                <a14:useLocalDpi xmlns:a14="http://schemas.microsoft.com/office/drawing/2010/main" val="0"/>
-              </a:ext>
-            </a:extLst>
-          </a:blip>
-          <a:stretch>
-            <a:fillRect/>
-          </a:stretch>
-        </p:blipFill>
-        <p:spPr>
-          <a:xfrm>
-            <a:off x="5476534" y="6127037"/>
-            <a:ext cx="457200" cy="457200"/>
-          </a:xfrm>
-          <a:prstGeom prst="rect">
-            <a:avLst/>
-          </a:prstGeom>
-        </p:spPr>
-      </p:pic>
       <p:pic>
         <p:nvPicPr>
           <p:cNvPr id="175" name="Picture 174"/>
@@ -15726,7 +15691,7 @@
           <p:nvPr/>
         </p:nvPicPr>
         <p:blipFill>
-          <a:blip r:embed="rId18" cstate="print">
+          <a:blip r:embed="rId17" cstate="print">
             <a:extLst>
               <a:ext uri="{28A0092B-C50C-407E-A947-70E740481C1C}">
                 <a14:useLocalDpi xmlns:a14="http://schemas.microsoft.com/office/drawing/2010/main" val="0"/>
@@ -16070,7 +16035,7 @@
           <p:nvPr/>
         </p:nvPicPr>
         <p:blipFill>
-          <a:blip r:embed="rId19">
+          <a:blip r:embed="rId18">
             <a:extLst>
               <a:ext uri="{28A0092B-C50C-407E-A947-70E740481C1C}">
                 <a14:useLocalDpi xmlns:a14="http://schemas.microsoft.com/office/drawing/2010/main" val="0"/>
@@ -16170,7 +16135,7 @@
           <p:nvPr/>
         </p:nvPicPr>
         <p:blipFill>
-          <a:blip r:embed="rId20" cstate="print">
+          <a:blip r:embed="rId19" cstate="print">
             <a:extLst>
               <a:ext uri="{28A0092B-C50C-407E-A947-70E740481C1C}">
                 <a14:useLocalDpi xmlns:a14="http://schemas.microsoft.com/office/drawing/2010/main" val="0"/>
@@ -16360,7 +16325,7 @@
             <p:nvPr/>
           </p:nvPicPr>
           <p:blipFill>
-            <a:blip r:embed="rId21" cstate="print">
+            <a:blip r:embed="rId20" cstate="print">
               <a:extLst>
                 <a:ext uri="{28A0092B-C50C-407E-A947-70E740481C1C}">
                   <a14:useLocalDpi xmlns:a14="http://schemas.microsoft.com/office/drawing/2010/main" val="0"/>
@@ -16439,7 +16404,7 @@
           <p:nvPr/>
         </p:nvPicPr>
         <p:blipFill>
-          <a:blip r:embed="rId22" cstate="print">
+          <a:blip r:embed="rId21" cstate="print">
             <a:extLst>
               <a:ext uri="{28A0092B-C50C-407E-A947-70E740481C1C}">
                 <a14:useLocalDpi xmlns:a14="http://schemas.microsoft.com/office/drawing/2010/main" val="0"/>
@@ -16620,7 +16585,7 @@
           <p:nvPr/>
         </p:nvPicPr>
         <p:blipFill>
-          <a:blip r:embed="rId23" cstate="print">
+          <a:blip r:embed="rId22" cstate="print">
             <a:extLst>
               <a:ext uri="{28A0092B-C50C-407E-A947-70E740481C1C}">
                 <a14:useLocalDpi xmlns:a14="http://schemas.microsoft.com/office/drawing/2010/main" val="0"/>
@@ -16982,7 +16947,7 @@
           <p:nvPr/>
         </p:nvPicPr>
         <p:blipFill>
-          <a:blip r:embed="rId24" cstate="print">
+          <a:blip r:embed="rId23" cstate="print">
             <a:extLst>
               <a:ext uri="{28A0092B-C50C-407E-A947-70E740481C1C}">
                 <a14:useLocalDpi xmlns:a14="http://schemas.microsoft.com/office/drawing/2010/main" val="0"/>
@@ -17164,6 +17129,36 @@
           </a:fontRef>
         </p:style>
       </p:cxnSp>
+      <p:pic>
+        <p:nvPicPr>
+          <p:cNvPr id="90" name="Picture 89">
+            <a:extLst>
+              <a:ext uri="{FF2B5EF4-FFF2-40B4-BE49-F238E27FC236}">
+                <a16:creationId xmlns:a16="http://schemas.microsoft.com/office/drawing/2014/main" id="{375B7F09-92CA-40F1-B9FC-70729234A0F4}"/>
+              </a:ext>
+            </a:extLst>
+          </p:cNvPr>
+          <p:cNvPicPr>
+            <a:picLocks noChangeAspect="1"/>
+          </p:cNvPicPr>
+          <p:nvPr/>
+        </p:nvPicPr>
+        <p:blipFill>
+          <a:blip r:embed="rId24"/>
+          <a:stretch>
+            <a:fillRect/>
+          </a:stretch>
+        </p:blipFill>
+        <p:spPr>
+          <a:xfrm>
+            <a:off x="5431112" y="6114008"/>
+            <a:ext cx="485876" cy="469544"/>
+          </a:xfrm>
+          <a:prstGeom prst="rect">
+            <a:avLst/>
+          </a:prstGeom>
+        </p:spPr>
+      </p:pic>
     </p:spTree>
     <p:extLst>
       <p:ext uri="{BB962C8B-B14F-4D97-AF65-F5344CB8AC3E}">
@@ -22236,12 +22231,9 @@
 </file>
 
 <file path=customXml/item1.xml><?xml version="1.0" encoding="utf-8"?>
-<?mso-contentType ?>
-<FormTemplates xmlns="http://schemas.microsoft.com/sharepoint/v3/contenttype/forms">
-  <Display>DocumentLibraryForm</Display>
-  <Edit>DocumentLibraryForm</Edit>
-  <New>DocumentLibraryForm</New>
-</FormTemplates>
+<p:properties xmlns:p="http://schemas.microsoft.com/office/2006/metadata/properties" xmlns:xsi="http://www.w3.org/2001/XMLSchema-instance" xmlns:pc="http://schemas.microsoft.com/office/infopath/2007/PartnerControls">
+  <documentManagement/>
+</p:properties>
 </file>
 
 <file path=customXml/item2.xml><?xml version="1.0" encoding="utf-8"?>
@@ -22385,15 +22377,26 @@
 </file>
 
 <file path=customXml/item3.xml><?xml version="1.0" encoding="utf-8"?>
-<p:properties xmlns:p="http://schemas.microsoft.com/office/2006/metadata/properties" xmlns:xsi="http://www.w3.org/2001/XMLSchema-instance" xmlns:pc="http://schemas.microsoft.com/office/infopath/2007/PartnerControls">
-  <documentManagement/>
-</p:properties>
+<?mso-contentType ?>
+<FormTemplates xmlns="http://schemas.microsoft.com/sharepoint/v3/contenttype/forms">
+  <Display>DocumentLibraryForm</Display>
+  <Edit>DocumentLibraryForm</Edit>
+  <New>DocumentLibraryForm</New>
+</FormTemplates>
 </file>
 
 <file path=customXml/itemProps1.xml><?xml version="1.0" encoding="utf-8"?>
-<ds:datastoreItem xmlns:ds="http://schemas.openxmlformats.org/officeDocument/2006/customXml" ds:itemID="{3301510A-9EC9-404A-818F-BE10941C0925}">
+<ds:datastoreItem xmlns:ds="http://schemas.openxmlformats.org/officeDocument/2006/customXml" ds:itemID="{267EEB37-FBC8-444E-88CF-DF8C59083097}">
   <ds:schemaRefs>
-    <ds:schemaRef ds:uri="http://schemas.microsoft.com/sharepoint/v3/contenttype/forms"/>
+    <ds:schemaRef ds:uri="http://purl.org/dc/terms/"/>
+    <ds:schemaRef ds:uri="b1eac095-f4ed-4ca2-88ef-95980cb65d0f"/>
+    <ds:schemaRef ds:uri="http://schemas.microsoft.com/office/2006/documentManagement/types"/>
+    <ds:schemaRef ds:uri="http://schemas.microsoft.com/office/infopath/2007/PartnerControls"/>
+    <ds:schemaRef ds:uri="http://purl.org/dc/elements/1.1/"/>
+    <ds:schemaRef ds:uri="http://schemas.microsoft.com/office/2006/metadata/properties"/>
+    <ds:schemaRef ds:uri="http://schemas.openxmlformats.org/package/2006/metadata/core-properties"/>
+    <ds:schemaRef ds:uri="http://www.w3.org/XML/1998/namespace"/>
+    <ds:schemaRef ds:uri="http://purl.org/dc/dcmitype/"/>
   </ds:schemaRefs>
 </ds:datastoreItem>
 </file>
@@ -22417,17 +22420,9 @@
 </file>
 
 <file path=customXml/itemProps3.xml><?xml version="1.0" encoding="utf-8"?>
-<ds:datastoreItem xmlns:ds="http://schemas.openxmlformats.org/officeDocument/2006/customXml" ds:itemID="{267EEB37-FBC8-444E-88CF-DF8C59083097}">
+<ds:datastoreItem xmlns:ds="http://schemas.openxmlformats.org/officeDocument/2006/customXml" ds:itemID="{3301510A-9EC9-404A-818F-BE10941C0925}">
   <ds:schemaRefs>
-    <ds:schemaRef ds:uri="http://purl.org/dc/terms/"/>
-    <ds:schemaRef ds:uri="b1eac095-f4ed-4ca2-88ef-95980cb65d0f"/>
-    <ds:schemaRef ds:uri="http://schemas.microsoft.com/office/2006/documentManagement/types"/>
-    <ds:schemaRef ds:uri="http://schemas.microsoft.com/office/infopath/2007/PartnerControls"/>
-    <ds:schemaRef ds:uri="http://purl.org/dc/elements/1.1/"/>
-    <ds:schemaRef ds:uri="http://schemas.microsoft.com/office/2006/metadata/properties"/>
-    <ds:schemaRef ds:uri="http://schemas.openxmlformats.org/package/2006/metadata/core-properties"/>
-    <ds:schemaRef ds:uri="http://www.w3.org/XML/1998/namespace"/>
-    <ds:schemaRef ds:uri="http://purl.org/dc/dcmitype/"/>
+    <ds:schemaRef ds:uri="http://schemas.microsoft.com/sharepoint/v3/contenttype/forms"/>
   </ds:schemaRefs>
 </ds:datastoreItem>
 </file>
--- a/Whiteboard design session/Modern Cloud Apps Preferred Solution.pptx
+++ b/Whiteboard design session/Modern Cloud Apps Preferred Solution.pptx
@@ -238,7 +238,7 @@
               <a:rPr lang="en-US" smtClean="0">
                 <a:latin typeface="Segoe UI"/>
               </a:rPr>
-              <a:t>9/21/2018</a:t>
+              <a:t>11/24/2018</a:t>
             </a:fld>
             <a:endParaRPr lang="en-US">
               <a:latin typeface="Segoe UI"/>
@@ -738,7 +738,7 @@
           <a:graphicData uri="http://schemas.openxmlformats.org/presentationml/2006/ole">
             <mc:AlternateContent xmlns:mc="http://schemas.openxmlformats.org/markup-compatibility/2006">
               <mc:Choice xmlns:v="urn:schemas-microsoft-com:vml" Requires="v">
-                <p:oleObj spid="_x0000_s11089" name="think-cell Slide" r:id="rId8" imgW="270" imgH="270" progId="TCLayout.ActiveDocument.1">
+                <p:oleObj spid="_x0000_s11090" name="think-cell Slide" r:id="rId8" imgW="270" imgH="270" progId="TCLayout.ActiveDocument.1">
                   <p:embed/>
                 </p:oleObj>
               </mc:Choice>
@@ -1094,7 +1094,7 @@
           <a:graphicData uri="http://schemas.openxmlformats.org/presentationml/2006/ole">
             <mc:AlternateContent xmlns:mc="http://schemas.openxmlformats.org/markup-compatibility/2006">
               <mc:Choice xmlns:v="urn:schemas-microsoft-com:vml" Requires="v">
-                <p:oleObj spid="_x0000_s20305" name="think-cell Slide" r:id="rId11" imgW="270" imgH="270" progId="TCLayout.ActiveDocument.1">
+                <p:oleObj spid="_x0000_s20306" name="think-cell Slide" r:id="rId11" imgW="270" imgH="270" progId="TCLayout.ActiveDocument.1">
                   <p:embed/>
                 </p:oleObj>
               </mc:Choice>
@@ -1594,7 +1594,7 @@
           <a:graphicData uri="http://schemas.openxmlformats.org/presentationml/2006/ole">
             <mc:AlternateContent xmlns:mc="http://schemas.openxmlformats.org/markup-compatibility/2006">
               <mc:Choice xmlns:v="urn:schemas-microsoft-com:vml" Requires="v">
-                <p:oleObj spid="_x0000_s21329" name="think-cell Slide" r:id="rId11" imgW="270" imgH="270" progId="TCLayout.ActiveDocument.1">
+                <p:oleObj spid="_x0000_s21330" name="think-cell Slide" r:id="rId11" imgW="270" imgH="270" progId="TCLayout.ActiveDocument.1">
                   <p:embed/>
                 </p:oleObj>
               </mc:Choice>
@@ -2138,7 +2138,7 @@
           <a:graphicData uri="http://schemas.openxmlformats.org/presentationml/2006/ole">
             <mc:AlternateContent xmlns:mc="http://schemas.openxmlformats.org/markup-compatibility/2006">
               <mc:Choice xmlns:v="urn:schemas-microsoft-com:vml" Requires="v">
-                <p:oleObj spid="_x0000_s22353" name="think-cell Slide" r:id="rId9" imgW="270" imgH="270" progId="TCLayout.ActiveDocument.1">
+                <p:oleObj spid="_x0000_s22354" name="think-cell Slide" r:id="rId9" imgW="270" imgH="270" progId="TCLayout.ActiveDocument.1">
                   <p:embed/>
                 </p:oleObj>
               </mc:Choice>
@@ -2520,7 +2520,7 @@
           <a:graphicData uri="http://schemas.openxmlformats.org/presentationml/2006/ole">
             <mc:AlternateContent xmlns:mc="http://schemas.openxmlformats.org/markup-compatibility/2006">
               <mc:Choice xmlns:v="urn:schemas-microsoft-com:vml" Requires="v">
-                <p:oleObj spid="_x0000_s23377" name="think-cell Slide" r:id="rId12" imgW="270" imgH="270" progId="TCLayout.ActiveDocument.1">
+                <p:oleObj spid="_x0000_s23378" name="think-cell Slide" r:id="rId12" imgW="270" imgH="270" progId="TCLayout.ActiveDocument.1">
                   <p:embed/>
                 </p:oleObj>
               </mc:Choice>
@@ -3016,7 +3016,7 @@
           <a:graphicData uri="http://schemas.openxmlformats.org/presentationml/2006/ole">
             <mc:AlternateContent xmlns:mc="http://schemas.openxmlformats.org/markup-compatibility/2006">
               <mc:Choice xmlns:v="urn:schemas-microsoft-com:vml" Requires="v">
-                <p:oleObj spid="_x0000_s24401" name="think-cell Slide" r:id="rId12" imgW="270" imgH="270" progId="TCLayout.ActiveDocument.1">
+                <p:oleObj spid="_x0000_s24402" name="think-cell Slide" r:id="rId12" imgW="270" imgH="270" progId="TCLayout.ActiveDocument.1">
                   <p:embed/>
                 </p:oleObj>
               </mc:Choice>
@@ -3520,7 +3520,7 @@
           <a:graphicData uri="http://schemas.openxmlformats.org/presentationml/2006/ole">
             <mc:AlternateContent xmlns:mc="http://schemas.openxmlformats.org/markup-compatibility/2006">
               <mc:Choice xmlns:v="urn:schemas-microsoft-com:vml" Requires="v">
-                <p:oleObj spid="_x0000_s25425" name="think-cell Slide" r:id="rId7" imgW="270" imgH="270" progId="TCLayout.ActiveDocument.1">
+                <p:oleObj spid="_x0000_s25426" name="think-cell Slide" r:id="rId7" imgW="270" imgH="270" progId="TCLayout.ActiveDocument.1">
                   <p:embed/>
                 </p:oleObj>
               </mc:Choice>
@@ -3814,7 +3814,7 @@
           <a:graphicData uri="http://schemas.openxmlformats.org/presentationml/2006/ole">
             <mc:AlternateContent xmlns:mc="http://schemas.openxmlformats.org/markup-compatibility/2006">
               <mc:Choice xmlns:v="urn:schemas-microsoft-com:vml" Requires="v">
-                <p:oleObj spid="_x0000_s26449" name="think-cell Slide" r:id="rId9" imgW="270" imgH="270" progId="TCLayout.ActiveDocument.1">
+                <p:oleObj spid="_x0000_s26450" name="think-cell Slide" r:id="rId9" imgW="270" imgH="270" progId="TCLayout.ActiveDocument.1">
                   <p:embed/>
                 </p:oleObj>
               </mc:Choice>
@@ -4179,7 +4179,7 @@
           <a:graphicData uri="http://schemas.openxmlformats.org/presentationml/2006/ole">
             <mc:AlternateContent xmlns:mc="http://schemas.openxmlformats.org/markup-compatibility/2006">
               <mc:Choice xmlns:v="urn:schemas-microsoft-com:vml" Requires="v">
-                <p:oleObj spid="_x0000_s27473" name="think-cell Slide" r:id="rId9" imgW="270" imgH="270" progId="TCLayout.ActiveDocument.1">
+                <p:oleObj spid="_x0000_s27474" name="think-cell Slide" r:id="rId9" imgW="270" imgH="270" progId="TCLayout.ActiveDocument.1">
                   <p:embed/>
                 </p:oleObj>
               </mc:Choice>
@@ -4544,7 +4544,7 @@
           <a:graphicData uri="http://schemas.openxmlformats.org/presentationml/2006/ole">
             <mc:AlternateContent xmlns:mc="http://schemas.openxmlformats.org/markup-compatibility/2006">
               <mc:Choice xmlns:v="urn:schemas-microsoft-com:vml" Requires="v">
-                <p:oleObj spid="_x0000_s28497" name="think-cell Slide" r:id="rId9" imgW="270" imgH="270" progId="TCLayout.ActiveDocument.1">
+                <p:oleObj spid="_x0000_s28498" name="think-cell Slide" r:id="rId9" imgW="270" imgH="270" progId="TCLayout.ActiveDocument.1">
                   <p:embed/>
                 </p:oleObj>
               </mc:Choice>
@@ -4909,7 +4909,7 @@
           <a:graphicData uri="http://schemas.openxmlformats.org/presentationml/2006/ole">
             <mc:AlternateContent xmlns:mc="http://schemas.openxmlformats.org/markup-compatibility/2006">
               <mc:Choice xmlns:v="urn:schemas-microsoft-com:vml" Requires="v">
-                <p:oleObj spid="_x0000_s29521" name="think-cell Slide" r:id="rId8" imgW="270" imgH="270" progId="TCLayout.ActiveDocument.1">
+                <p:oleObj spid="_x0000_s29522" name="think-cell Slide" r:id="rId8" imgW="270" imgH="270" progId="TCLayout.ActiveDocument.1">
                   <p:embed/>
                 </p:oleObj>
               </mc:Choice>
@@ -5175,7 +5175,7 @@
           <a:graphicData uri="http://schemas.openxmlformats.org/presentationml/2006/ole">
             <mc:AlternateContent xmlns:mc="http://schemas.openxmlformats.org/markup-compatibility/2006">
               <mc:Choice xmlns:v="urn:schemas-microsoft-com:vml" Requires="v">
-                <p:oleObj spid="_x0000_s12113" name="think-cell Slide" r:id="rId9" imgW="270" imgH="270" progId="TCLayout.ActiveDocument.1">
+                <p:oleObj spid="_x0000_s12114" name="think-cell Slide" r:id="rId9" imgW="270" imgH="270" progId="TCLayout.ActiveDocument.1">
                   <p:embed/>
                 </p:oleObj>
               </mc:Choice>
@@ -5565,7 +5565,7 @@
           <a:graphicData uri="http://schemas.openxmlformats.org/presentationml/2006/ole">
             <mc:AlternateContent xmlns:mc="http://schemas.openxmlformats.org/markup-compatibility/2006">
               <mc:Choice xmlns:v="urn:schemas-microsoft-com:vml" Requires="v">
-                <p:oleObj spid="_x0000_s30545" name="think-cell Slide" r:id="rId10" imgW="270" imgH="270" progId="TCLayout.ActiveDocument.1">
+                <p:oleObj spid="_x0000_s30546" name="think-cell Slide" r:id="rId10" imgW="270" imgH="270" progId="TCLayout.ActiveDocument.1">
                   <p:embed/>
                 </p:oleObj>
               </mc:Choice>
@@ -5919,7 +5919,7 @@
           <a:graphicData uri="http://schemas.openxmlformats.org/presentationml/2006/ole">
             <mc:AlternateContent xmlns:mc="http://schemas.openxmlformats.org/markup-compatibility/2006">
               <mc:Choice xmlns:v="urn:schemas-microsoft-com:vml" Requires="v">
-                <p:oleObj spid="_x0000_s31569" name="think-cell Slide" r:id="rId10" imgW="270" imgH="270" progId="TCLayout.ActiveDocument.1">
+                <p:oleObj spid="_x0000_s31570" name="think-cell Slide" r:id="rId10" imgW="270" imgH="270" progId="TCLayout.ActiveDocument.1">
                   <p:embed/>
                 </p:oleObj>
               </mc:Choice>
@@ -6354,7 +6354,7 @@
           <a:graphicData uri="http://schemas.openxmlformats.org/presentationml/2006/ole">
             <mc:AlternateContent xmlns:mc="http://schemas.openxmlformats.org/markup-compatibility/2006">
               <mc:Choice xmlns:v="urn:schemas-microsoft-com:vml" Requires="v">
-                <p:oleObj spid="_x0000_s48949" name="think-cell Slide" r:id="rId9" imgW="270" imgH="270" progId="TCLayout.ActiveDocument.1">
+                <p:oleObj spid="_x0000_s48950" name="think-cell Slide" r:id="rId9" imgW="270" imgH="270" progId="TCLayout.ActiveDocument.1">
                   <p:embed/>
                 </p:oleObj>
               </mc:Choice>
@@ -6740,7 +6740,7 @@
           <a:graphicData uri="http://schemas.openxmlformats.org/presentationml/2006/ole">
             <mc:AlternateContent xmlns:mc="http://schemas.openxmlformats.org/markup-compatibility/2006">
               <mc:Choice xmlns:v="urn:schemas-microsoft-com:vml" Requires="v">
-                <p:oleObj spid="_x0000_s55093" name="think-cell Slide" r:id="rId11" imgW="270" imgH="270" progId="TCLayout.ActiveDocument.1">
+                <p:oleObj spid="_x0000_s55094" name="think-cell Slide" r:id="rId11" imgW="270" imgH="270" progId="TCLayout.ActiveDocument.1">
                   <p:embed/>
                 </p:oleObj>
               </mc:Choice>
@@ -7229,7 +7229,7 @@
           <a:graphicData uri="http://schemas.openxmlformats.org/presentationml/2006/ole">
             <mc:AlternateContent xmlns:mc="http://schemas.openxmlformats.org/markup-compatibility/2006">
               <mc:Choice xmlns:v="urn:schemas-microsoft-com:vml" Requires="v">
-                <p:oleObj spid="_x0000_s56117" name="think-cell Slide" r:id="rId10" imgW="270" imgH="270" progId="TCLayout.ActiveDocument.1">
+                <p:oleObj spid="_x0000_s56118" name="think-cell Slide" r:id="rId10" imgW="270" imgH="270" progId="TCLayout.ActiveDocument.1">
                   <p:embed/>
                 </p:oleObj>
               </mc:Choice>
@@ -7667,7 +7667,7 @@
           <a:graphicData uri="http://schemas.openxmlformats.org/presentationml/2006/ole">
             <mc:AlternateContent xmlns:mc="http://schemas.openxmlformats.org/markup-compatibility/2006">
               <mc:Choice xmlns:v="urn:schemas-microsoft-com:vml" Requires="v">
-                <p:oleObj spid="_x0000_s59189" name="think-cell Slide" r:id="rId11" imgW="270" imgH="270" progId="TCLayout.ActiveDocument.1">
+                <p:oleObj spid="_x0000_s59190" name="think-cell Slide" r:id="rId11" imgW="270" imgH="270" progId="TCLayout.ActiveDocument.1">
                   <p:embed/>
                 </p:oleObj>
               </mc:Choice>
@@ -8207,7 +8207,7 @@
           <a:graphicData uri="http://schemas.openxmlformats.org/presentationml/2006/ole">
             <mc:AlternateContent xmlns:mc="http://schemas.openxmlformats.org/markup-compatibility/2006">
               <mc:Choice xmlns:v="urn:schemas-microsoft-com:vml" Requires="v">
-                <p:oleObj spid="_x0000_s60213" name="think-cell Slide" r:id="rId9" imgW="270" imgH="270" progId="TCLayout.ActiveDocument.1">
+                <p:oleObj spid="_x0000_s60214" name="think-cell Slide" r:id="rId9" imgW="270" imgH="270" progId="TCLayout.ActiveDocument.1">
                   <p:embed/>
                 </p:oleObj>
               </mc:Choice>
@@ -8593,7 +8593,7 @@
           <a:graphicData uri="http://schemas.openxmlformats.org/presentationml/2006/ole">
             <mc:AlternateContent xmlns:mc="http://schemas.openxmlformats.org/markup-compatibility/2006">
               <mc:Choice xmlns:v="urn:schemas-microsoft-com:vml" Requires="v">
-                <p:oleObj spid="_x0000_s63285" name="think-cell Slide" r:id="rId7" imgW="270" imgH="270" progId="TCLayout.ActiveDocument.1">
+                <p:oleObj spid="_x0000_s63286" name="think-cell Slide" r:id="rId7" imgW="270" imgH="270" progId="TCLayout.ActiveDocument.1">
                   <p:embed/>
                 </p:oleObj>
               </mc:Choice>
@@ -8883,7 +8883,7 @@
           <a:graphicData uri="http://schemas.openxmlformats.org/presentationml/2006/ole">
             <mc:AlternateContent xmlns:mc="http://schemas.openxmlformats.org/markup-compatibility/2006">
               <mc:Choice xmlns:v="urn:schemas-microsoft-com:vml" Requires="v">
-                <p:oleObj spid="_x0000_s67381" name="think-cell Slide" r:id="rId8" imgW="270" imgH="270" progId="TCLayout.ActiveDocument.1">
+                <p:oleObj spid="_x0000_s67382" name="think-cell Slide" r:id="rId8" imgW="270" imgH="270" progId="TCLayout.ActiveDocument.1">
                   <p:embed/>
                 </p:oleObj>
               </mc:Choice>
@@ -9149,7 +9149,7 @@
           <a:graphicData uri="http://schemas.openxmlformats.org/presentationml/2006/ole">
             <mc:AlternateContent xmlns:mc="http://schemas.openxmlformats.org/markup-compatibility/2006">
               <mc:Choice xmlns:v="urn:schemas-microsoft-com:vml" Requires="v">
-                <p:oleObj spid="_x0000_s13137" name="think-cell Slide" r:id="rId9" imgW="270" imgH="270" progId="TCLayout.ActiveDocument.1">
+                <p:oleObj spid="_x0000_s13138" name="think-cell Slide" r:id="rId9" imgW="270" imgH="270" progId="TCLayout.ActiveDocument.1">
                   <p:embed/>
                 </p:oleObj>
               </mc:Choice>
@@ -9539,7 +9539,7 @@
           <a:graphicData uri="http://schemas.openxmlformats.org/presentationml/2006/ole">
             <mc:AlternateContent xmlns:mc="http://schemas.openxmlformats.org/markup-compatibility/2006">
               <mc:Choice xmlns:v="urn:schemas-microsoft-com:vml" Requires="v">
-                <p:oleObj spid="_x0000_s14161" name="think-cell Slide" r:id="rId9" imgW="270" imgH="270" progId="TCLayout.ActiveDocument.1">
+                <p:oleObj spid="_x0000_s14162" name="think-cell Slide" r:id="rId9" imgW="270" imgH="270" progId="TCLayout.ActiveDocument.1">
                   <p:embed/>
                 </p:oleObj>
               </mc:Choice>
@@ -9929,7 +9929,7 @@
           <a:graphicData uri="http://schemas.openxmlformats.org/presentationml/2006/ole">
             <mc:AlternateContent xmlns:mc="http://schemas.openxmlformats.org/markup-compatibility/2006">
               <mc:Choice xmlns:v="urn:schemas-microsoft-com:vml" Requires="v">
-                <p:oleObj spid="_x0000_s15185" name="think-cell Slide" r:id="rId9" imgW="270" imgH="270" progId="TCLayout.ActiveDocument.1">
+                <p:oleObj spid="_x0000_s15186" name="think-cell Slide" r:id="rId9" imgW="270" imgH="270" progId="TCLayout.ActiveDocument.1">
                   <p:embed/>
                 </p:oleObj>
               </mc:Choice>
@@ -10319,7 +10319,7 @@
           <a:graphicData uri="http://schemas.openxmlformats.org/presentationml/2006/ole">
             <mc:AlternateContent xmlns:mc="http://schemas.openxmlformats.org/markup-compatibility/2006">
               <mc:Choice xmlns:v="urn:schemas-microsoft-com:vml" Requires="v">
-                <p:oleObj spid="_x0000_s16209" name="think-cell Slide" r:id="rId9" imgW="270" imgH="270" progId="TCLayout.ActiveDocument.1">
+                <p:oleObj spid="_x0000_s16210" name="think-cell Slide" r:id="rId9" imgW="270" imgH="270" progId="TCLayout.ActiveDocument.1">
                   <p:embed/>
                 </p:oleObj>
               </mc:Choice>
@@ -10709,7 +10709,7 @@
           <a:graphicData uri="http://schemas.openxmlformats.org/presentationml/2006/ole">
             <mc:AlternateContent xmlns:mc="http://schemas.openxmlformats.org/markup-compatibility/2006">
               <mc:Choice xmlns:v="urn:schemas-microsoft-com:vml" Requires="v">
-                <p:oleObj spid="_x0000_s17233" name="think-cell Slide" r:id="rId11" imgW="270" imgH="270" progId="TCLayout.ActiveDocument.1">
+                <p:oleObj spid="_x0000_s17234" name="think-cell Slide" r:id="rId11" imgW="270" imgH="270" progId="TCLayout.ActiveDocument.1">
                   <p:embed/>
                 </p:oleObj>
               </mc:Choice>
@@ -11202,7 +11202,7 @@
           <a:graphicData uri="http://schemas.openxmlformats.org/presentationml/2006/ole">
             <mc:AlternateContent xmlns:mc="http://schemas.openxmlformats.org/markup-compatibility/2006">
               <mc:Choice xmlns:v="urn:schemas-microsoft-com:vml" Requires="v">
-                <p:oleObj spid="_x0000_s18257" name="think-cell Slide" r:id="rId10" imgW="270" imgH="270" progId="TCLayout.ActiveDocument.1">
+                <p:oleObj spid="_x0000_s18258" name="think-cell Slide" r:id="rId10" imgW="270" imgH="270" progId="TCLayout.ActiveDocument.1">
                   <p:embed/>
                 </p:oleObj>
               </mc:Choice>
@@ -11644,7 +11644,7 @@
           <a:graphicData uri="http://schemas.openxmlformats.org/presentationml/2006/ole">
             <mc:AlternateContent xmlns:mc="http://schemas.openxmlformats.org/markup-compatibility/2006">
               <mc:Choice xmlns:v="urn:schemas-microsoft-com:vml" Requires="v">
-                <p:oleObj spid="_x0000_s19281" name="think-cell Slide" r:id="rId12" imgW="270" imgH="270" progId="TCLayout.ActiveDocument.1">
+                <p:oleObj spid="_x0000_s19282" name="think-cell Slide" r:id="rId12" imgW="270" imgH="270" progId="TCLayout.ActiveDocument.1">
                   <p:embed/>
                 </p:oleObj>
               </mc:Choice>
@@ -12215,7 +12215,7 @@
           <a:graphicData uri="http://schemas.openxmlformats.org/presentationml/2006/ole">
             <mc:AlternateContent xmlns:mc="http://schemas.openxmlformats.org/markup-compatibility/2006">
               <mc:Choice xmlns:v="urn:schemas-microsoft-com:vml" Requires="v">
-                <p:oleObj spid="_x0000_s10070" name="think-cell Slide" r:id="rId30" imgW="270" imgH="270" progId="TCLayout.ActiveDocument.1">
+                <p:oleObj spid="_x0000_s10071" name="think-cell Slide" r:id="rId30" imgW="270" imgH="270" progId="TCLayout.ActiveDocument.1">
                   <p:embed/>
                 </p:oleObj>
               </mc:Choice>
@@ -12786,7 +12786,7 @@
           <a:graphicData uri="http://schemas.openxmlformats.org/presentationml/2006/ole">
             <mc:AlternateContent xmlns:mc="http://schemas.openxmlformats.org/markup-compatibility/2006">
               <mc:Choice xmlns:v="urn:schemas-microsoft-com:vml" Requires="v">
-                <p:oleObj spid="_x0000_s47925" name="think-cell Slide" r:id="rId15" imgW="270" imgH="270" progId="TCLayout.ActiveDocument.1">
+                <p:oleObj spid="_x0000_s47926" name="think-cell Slide" r:id="rId15" imgW="270" imgH="270" progId="TCLayout.ActiveDocument.1">
                   <p:embed/>
                 </p:oleObj>
               </mc:Choice>
@@ -13340,7 +13340,7 @@
           <a:p>
             <a:r>
               <a:rPr lang="en-US"/>
-              <a:t>Modern Cloud Apps Preferred Solution</a:t>
+              <a:t>Modern Cloud Apps - Preferred Solution</a:t>
             </a:r>
           </a:p>
         </p:txBody>
@@ -22231,9 +22231,12 @@
 </file>
 
 <file path=customXml/item1.xml><?xml version="1.0" encoding="utf-8"?>
-<p:properties xmlns:p="http://schemas.microsoft.com/office/2006/metadata/properties" xmlns:xsi="http://www.w3.org/2001/XMLSchema-instance" xmlns:pc="http://schemas.microsoft.com/office/infopath/2007/PartnerControls">
-  <documentManagement/>
-</p:properties>
+<?mso-contentType ?>
+<FormTemplates xmlns="http://schemas.microsoft.com/sharepoint/v3/contenttype/forms">
+  <Display>DocumentLibraryForm</Display>
+  <Edit>DocumentLibraryForm</Edit>
+  <New>DocumentLibraryForm</New>
+</FormTemplates>
 </file>
 
 <file path=customXml/item2.xml><?xml version="1.0" encoding="utf-8"?>
@@ -22377,26 +22380,15 @@
 </file>
 
 <file path=customXml/item3.xml><?xml version="1.0" encoding="utf-8"?>
-<?mso-contentType ?>
-<FormTemplates xmlns="http://schemas.microsoft.com/sharepoint/v3/contenttype/forms">
-  <Display>DocumentLibraryForm</Display>
-  <Edit>DocumentLibraryForm</Edit>
-  <New>DocumentLibraryForm</New>
-</FormTemplates>
+<p:properties xmlns:p="http://schemas.microsoft.com/office/2006/metadata/properties" xmlns:xsi="http://www.w3.org/2001/XMLSchema-instance" xmlns:pc="http://schemas.microsoft.com/office/infopath/2007/PartnerControls">
+  <documentManagement/>
+</p:properties>
 </file>
 
 <file path=customXml/itemProps1.xml><?xml version="1.0" encoding="utf-8"?>
-<ds:datastoreItem xmlns:ds="http://schemas.openxmlformats.org/officeDocument/2006/customXml" ds:itemID="{267EEB37-FBC8-444E-88CF-DF8C59083097}">
+<ds:datastoreItem xmlns:ds="http://schemas.openxmlformats.org/officeDocument/2006/customXml" ds:itemID="{3301510A-9EC9-404A-818F-BE10941C0925}">
   <ds:schemaRefs>
-    <ds:schemaRef ds:uri="http://purl.org/dc/terms/"/>
-    <ds:schemaRef ds:uri="b1eac095-f4ed-4ca2-88ef-95980cb65d0f"/>
-    <ds:schemaRef ds:uri="http://schemas.microsoft.com/office/2006/documentManagement/types"/>
-    <ds:schemaRef ds:uri="http://schemas.microsoft.com/office/infopath/2007/PartnerControls"/>
-    <ds:schemaRef ds:uri="http://purl.org/dc/elements/1.1/"/>
-    <ds:schemaRef ds:uri="http://schemas.microsoft.com/office/2006/metadata/properties"/>
-    <ds:schemaRef ds:uri="http://schemas.openxmlformats.org/package/2006/metadata/core-properties"/>
-    <ds:schemaRef ds:uri="http://www.w3.org/XML/1998/namespace"/>
-    <ds:schemaRef ds:uri="http://purl.org/dc/dcmitype/"/>
+    <ds:schemaRef ds:uri="http://schemas.microsoft.com/sharepoint/v3/contenttype/forms"/>
   </ds:schemaRefs>
 </ds:datastoreItem>
 </file>
@@ -22420,9 +22412,17 @@
 </file>
 
 <file path=customXml/itemProps3.xml><?xml version="1.0" encoding="utf-8"?>
-<ds:datastoreItem xmlns:ds="http://schemas.openxmlformats.org/officeDocument/2006/customXml" ds:itemID="{3301510A-9EC9-404A-818F-BE10941C0925}">
+<ds:datastoreItem xmlns:ds="http://schemas.openxmlformats.org/officeDocument/2006/customXml" ds:itemID="{267EEB37-FBC8-444E-88CF-DF8C59083097}">
   <ds:schemaRefs>
-    <ds:schemaRef ds:uri="http://schemas.microsoft.com/sharepoint/v3/contenttype/forms"/>
+    <ds:schemaRef ds:uri="http://purl.org/dc/terms/"/>
+    <ds:schemaRef ds:uri="b1eac095-f4ed-4ca2-88ef-95980cb65d0f"/>
+    <ds:schemaRef ds:uri="http://schemas.microsoft.com/office/2006/documentManagement/types"/>
+    <ds:schemaRef ds:uri="http://schemas.microsoft.com/office/infopath/2007/PartnerControls"/>
+    <ds:schemaRef ds:uri="http://purl.org/dc/elements/1.1/"/>
+    <ds:schemaRef ds:uri="http://schemas.microsoft.com/office/2006/metadata/properties"/>
+    <ds:schemaRef ds:uri="http://schemas.openxmlformats.org/package/2006/metadata/core-properties"/>
+    <ds:schemaRef ds:uri="http://www.w3.org/XML/1998/namespace"/>
+    <ds:schemaRef ds:uri="http://purl.org/dc/dcmitype/"/>
   </ds:schemaRefs>
 </ds:datastoreItem>
 </file>